--- a/docs/택배앱_프로시저.pptx
+++ b/docs/택배앱_프로시저.pptx
@@ -107,7 +107,16 @@
       </a:defRPr>
     </a:lvl9pPr>
   </p:defaultTextStyle>
+  <p:extLst>
+    <p:ext uri="{EFAFB233-063F-42B5-8137-9DF3F51BA10A}">
+      <p15:sldGuideLst xmlns:p15="http://schemas.microsoft.com/office/powerpoint/2012/main"/>
+    </p:ext>
+  </p:extLst>
 </p:presentation>
+</file>
+
+<file path=ppt/revisionInfo.xml><?xml version="1.0" encoding="utf-8"?>
+<p1510:revInfo xmlns:a="http://schemas.openxmlformats.org/drawingml/2006/main" xmlns:r="http://schemas.openxmlformats.org/officeDocument/2006/relationships" xmlns:p1510="http://schemas.microsoft.com/office/powerpoint/2015/10/main"/>
 </file>
 
 <file path=ppt/slideLayouts/slideLayout1.xml><?xml version="1.0" encoding="utf-8"?>
@@ -257,7 +266,7 @@
           <a:p>
             <a:fld id="{6A0C97DA-9564-41D9-8EDA-6C1F26C6E3D2}" type="datetimeFigureOut">
               <a:rPr lang="ko-KR" altLang="en-US" smtClean="0"/>
-              <a:t>2017-12-11</a:t>
+              <a:t>2017-12-12</a:t>
             </a:fld>
             <a:endParaRPr lang="ko-KR" altLang="en-US"/>
           </a:p>
@@ -455,7 +464,7 @@
           <a:p>
             <a:fld id="{6A0C97DA-9564-41D9-8EDA-6C1F26C6E3D2}" type="datetimeFigureOut">
               <a:rPr lang="ko-KR" altLang="en-US" smtClean="0"/>
-              <a:t>2017-12-11</a:t>
+              <a:t>2017-12-12</a:t>
             </a:fld>
             <a:endParaRPr lang="ko-KR" altLang="en-US"/>
           </a:p>
@@ -663,7 +672,7 @@
           <a:p>
             <a:fld id="{6A0C97DA-9564-41D9-8EDA-6C1F26C6E3D2}" type="datetimeFigureOut">
               <a:rPr lang="ko-KR" altLang="en-US" smtClean="0"/>
-              <a:t>2017-12-11</a:t>
+              <a:t>2017-12-12</a:t>
             </a:fld>
             <a:endParaRPr lang="ko-KR" altLang="en-US"/>
           </a:p>
@@ -861,7 +870,7 @@
           <a:p>
             <a:fld id="{6A0C97DA-9564-41D9-8EDA-6C1F26C6E3D2}" type="datetimeFigureOut">
               <a:rPr lang="ko-KR" altLang="en-US" smtClean="0"/>
-              <a:t>2017-12-11</a:t>
+              <a:t>2017-12-12</a:t>
             </a:fld>
             <a:endParaRPr lang="ko-KR" altLang="en-US"/>
           </a:p>
@@ -1136,7 +1145,7 @@
           <a:p>
             <a:fld id="{6A0C97DA-9564-41D9-8EDA-6C1F26C6E3D2}" type="datetimeFigureOut">
               <a:rPr lang="ko-KR" altLang="en-US" smtClean="0"/>
-              <a:t>2017-12-11</a:t>
+              <a:t>2017-12-12</a:t>
             </a:fld>
             <a:endParaRPr lang="ko-KR" altLang="en-US"/>
           </a:p>
@@ -1401,7 +1410,7 @@
           <a:p>
             <a:fld id="{6A0C97DA-9564-41D9-8EDA-6C1F26C6E3D2}" type="datetimeFigureOut">
               <a:rPr lang="ko-KR" altLang="en-US" smtClean="0"/>
-              <a:t>2017-12-11</a:t>
+              <a:t>2017-12-12</a:t>
             </a:fld>
             <a:endParaRPr lang="ko-KR" altLang="en-US"/>
           </a:p>
@@ -1813,7 +1822,7 @@
           <a:p>
             <a:fld id="{6A0C97DA-9564-41D9-8EDA-6C1F26C6E3D2}" type="datetimeFigureOut">
               <a:rPr lang="ko-KR" altLang="en-US" smtClean="0"/>
-              <a:t>2017-12-11</a:t>
+              <a:t>2017-12-12</a:t>
             </a:fld>
             <a:endParaRPr lang="ko-KR" altLang="en-US"/>
           </a:p>
@@ -1954,7 +1963,7 @@
           <a:p>
             <a:fld id="{6A0C97DA-9564-41D9-8EDA-6C1F26C6E3D2}" type="datetimeFigureOut">
               <a:rPr lang="ko-KR" altLang="en-US" smtClean="0"/>
-              <a:t>2017-12-11</a:t>
+              <a:t>2017-12-12</a:t>
             </a:fld>
             <a:endParaRPr lang="ko-KR" altLang="en-US"/>
           </a:p>
@@ -2067,7 +2076,7 @@
           <a:p>
             <a:fld id="{6A0C97DA-9564-41D9-8EDA-6C1F26C6E3D2}" type="datetimeFigureOut">
               <a:rPr lang="ko-KR" altLang="en-US" smtClean="0"/>
-              <a:t>2017-12-11</a:t>
+              <a:t>2017-12-12</a:t>
             </a:fld>
             <a:endParaRPr lang="ko-KR" altLang="en-US"/>
           </a:p>
@@ -2378,7 +2387,7 @@
           <a:p>
             <a:fld id="{6A0C97DA-9564-41D9-8EDA-6C1F26C6E3D2}" type="datetimeFigureOut">
               <a:rPr lang="ko-KR" altLang="en-US" smtClean="0"/>
-              <a:t>2017-12-11</a:t>
+              <a:t>2017-12-12</a:t>
             </a:fld>
             <a:endParaRPr lang="ko-KR" altLang="en-US"/>
           </a:p>
@@ -2666,7 +2675,7 @@
           <a:p>
             <a:fld id="{6A0C97DA-9564-41D9-8EDA-6C1F26C6E3D2}" type="datetimeFigureOut">
               <a:rPr lang="ko-KR" altLang="en-US" smtClean="0"/>
-              <a:t>2017-12-11</a:t>
+              <a:t>2017-12-12</a:t>
             </a:fld>
             <a:endParaRPr lang="ko-KR" altLang="en-US"/>
           </a:p>
@@ -2907,7 +2916,7 @@
           <a:p>
             <a:fld id="{6A0C97DA-9564-41D9-8EDA-6C1F26C6E3D2}" type="datetimeFigureOut">
               <a:rPr lang="ko-KR" altLang="en-US" smtClean="0"/>
-              <a:t>2017-12-11</a:t>
+              <a:t>2017-12-12</a:t>
             </a:fld>
             <a:endParaRPr lang="ko-KR" altLang="en-US"/>
           </a:p>
@@ -4469,6 +4478,66 @@
           </a:fontRef>
         </p:style>
       </p:cxnSp>
+      <p:sp>
+        <p:nvSpPr>
+          <p:cNvPr id="2" name="TextBox 1">
+            <a:extLst>
+              <a:ext uri="{FF2B5EF4-FFF2-40B4-BE49-F238E27FC236}">
+                <a16:creationId xmlns:a16="http://schemas.microsoft.com/office/drawing/2014/main" id="{6106F8F8-DD72-45C0-8F29-F83FEFC5E4FB}"/>
+              </a:ext>
+            </a:extLst>
+          </p:cNvPr>
+          <p:cNvSpPr txBox="1"/>
+          <p:nvPr/>
+        </p:nvSpPr>
+        <p:spPr>
+          <a:xfrm>
+            <a:off x="1966536" y="6250748"/>
+            <a:ext cx="8258928" cy="369332"/>
+          </a:xfrm>
+          <a:prstGeom prst="rect">
+            <a:avLst/>
+          </a:prstGeom>
+          <a:noFill/>
+        </p:spPr>
+        <p:txBody>
+          <a:bodyPr wrap="none" rtlCol="0">
+            <a:spAutoFit/>
+          </a:bodyPr>
+          <a:lstStyle/>
+          <a:p>
+            <a:r>
+              <a:rPr lang="ko-KR" altLang="en-US" dirty="0" err="1"/>
+              <a:t>채번</a:t>
+            </a:r>
+            <a:r>
+              <a:rPr lang="ko-KR" altLang="en-US" dirty="0"/>
+              <a:t> </a:t>
+            </a:r>
+            <a:r>
+              <a:rPr lang="en-US" altLang="ko-KR" dirty="0"/>
+              <a:t>: SELECT AFN_CREATE_SHIPMENT_NO('00', '</a:t>
+            </a:r>
+            <a:r>
+              <a:rPr lang="ko-KR" altLang="en-US" dirty="0"/>
+              <a:t>경남</a:t>
+            </a:r>
+            <a:r>
+              <a:rPr lang="en-US" altLang="ko-KR" dirty="0"/>
+              <a:t>99</a:t>
+            </a:r>
+            <a:r>
+              <a:rPr lang="ko-KR" altLang="en-US" dirty="0"/>
+              <a:t>바</a:t>
+            </a:r>
+            <a:r>
+              <a:rPr lang="en-US" altLang="ko-KR" dirty="0"/>
+              <a:t>6675') FROM DUAL</a:t>
+            </a:r>
+            <a:endParaRPr lang="ko-KR" altLang="en-US" dirty="0"/>
+          </a:p>
+        </p:txBody>
+      </p:sp>
     </p:spTree>
     <p:extLst>
       <p:ext uri="{BB962C8B-B14F-4D97-AF65-F5344CB8AC3E}">

--- a/docs/택배앱_프로시저.pptx
+++ b/docs/택배앱_프로시저.pptx
@@ -9,6 +9,8 @@
     <p:sldId id="256" r:id="rId3"/>
     <p:sldId id="257" r:id="rId4"/>
     <p:sldId id="258" r:id="rId5"/>
+    <p:sldId id="260" r:id="rId6"/>
+    <p:sldId id="261" r:id="rId7"/>
   </p:sldIdLst>
   <p:sldSz cx="12192000" cy="6858000"/>
   <p:notesSz cx="6858000" cy="9144000"/>
@@ -266,7 +268,7 @@
           <a:p>
             <a:fld id="{6A0C97DA-9564-41D9-8EDA-6C1F26C6E3D2}" type="datetimeFigureOut">
               <a:rPr lang="ko-KR" altLang="en-US" smtClean="0"/>
-              <a:t>2017-12-12</a:t>
+              <a:t>2017-12-14</a:t>
             </a:fld>
             <a:endParaRPr lang="ko-KR" altLang="en-US"/>
           </a:p>
@@ -464,7 +466,7 @@
           <a:p>
             <a:fld id="{6A0C97DA-9564-41D9-8EDA-6C1F26C6E3D2}" type="datetimeFigureOut">
               <a:rPr lang="ko-KR" altLang="en-US" smtClean="0"/>
-              <a:t>2017-12-12</a:t>
+              <a:t>2017-12-14</a:t>
             </a:fld>
             <a:endParaRPr lang="ko-KR" altLang="en-US"/>
           </a:p>
@@ -672,7 +674,7 @@
           <a:p>
             <a:fld id="{6A0C97DA-9564-41D9-8EDA-6C1F26C6E3D2}" type="datetimeFigureOut">
               <a:rPr lang="ko-KR" altLang="en-US" smtClean="0"/>
-              <a:t>2017-12-12</a:t>
+              <a:t>2017-12-14</a:t>
             </a:fld>
             <a:endParaRPr lang="ko-KR" altLang="en-US"/>
           </a:p>
@@ -870,7 +872,7 @@
           <a:p>
             <a:fld id="{6A0C97DA-9564-41D9-8EDA-6C1F26C6E3D2}" type="datetimeFigureOut">
               <a:rPr lang="ko-KR" altLang="en-US" smtClean="0"/>
-              <a:t>2017-12-12</a:t>
+              <a:t>2017-12-14</a:t>
             </a:fld>
             <a:endParaRPr lang="ko-KR" altLang="en-US"/>
           </a:p>
@@ -1145,7 +1147,7 @@
           <a:p>
             <a:fld id="{6A0C97DA-9564-41D9-8EDA-6C1F26C6E3D2}" type="datetimeFigureOut">
               <a:rPr lang="ko-KR" altLang="en-US" smtClean="0"/>
-              <a:t>2017-12-12</a:t>
+              <a:t>2017-12-14</a:t>
             </a:fld>
             <a:endParaRPr lang="ko-KR" altLang="en-US"/>
           </a:p>
@@ -1410,7 +1412,7 @@
           <a:p>
             <a:fld id="{6A0C97DA-9564-41D9-8EDA-6C1F26C6E3D2}" type="datetimeFigureOut">
               <a:rPr lang="ko-KR" altLang="en-US" smtClean="0"/>
-              <a:t>2017-12-12</a:t>
+              <a:t>2017-12-14</a:t>
             </a:fld>
             <a:endParaRPr lang="ko-KR" altLang="en-US"/>
           </a:p>
@@ -1822,7 +1824,7 @@
           <a:p>
             <a:fld id="{6A0C97DA-9564-41D9-8EDA-6C1F26C6E3D2}" type="datetimeFigureOut">
               <a:rPr lang="ko-KR" altLang="en-US" smtClean="0"/>
-              <a:t>2017-12-12</a:t>
+              <a:t>2017-12-14</a:t>
             </a:fld>
             <a:endParaRPr lang="ko-KR" altLang="en-US"/>
           </a:p>
@@ -1963,7 +1965,7 @@
           <a:p>
             <a:fld id="{6A0C97DA-9564-41D9-8EDA-6C1F26C6E3D2}" type="datetimeFigureOut">
               <a:rPr lang="ko-KR" altLang="en-US" smtClean="0"/>
-              <a:t>2017-12-12</a:t>
+              <a:t>2017-12-14</a:t>
             </a:fld>
             <a:endParaRPr lang="ko-KR" altLang="en-US"/>
           </a:p>
@@ -2076,7 +2078,7 @@
           <a:p>
             <a:fld id="{6A0C97DA-9564-41D9-8EDA-6C1F26C6E3D2}" type="datetimeFigureOut">
               <a:rPr lang="ko-KR" altLang="en-US" smtClean="0"/>
-              <a:t>2017-12-12</a:t>
+              <a:t>2017-12-14</a:t>
             </a:fld>
             <a:endParaRPr lang="ko-KR" altLang="en-US"/>
           </a:p>
@@ -2387,7 +2389,7 @@
           <a:p>
             <a:fld id="{6A0C97DA-9564-41D9-8EDA-6C1F26C6E3D2}" type="datetimeFigureOut">
               <a:rPr lang="ko-KR" altLang="en-US" smtClean="0"/>
-              <a:t>2017-12-12</a:t>
+              <a:t>2017-12-14</a:t>
             </a:fld>
             <a:endParaRPr lang="ko-KR" altLang="en-US"/>
           </a:p>
@@ -2675,7 +2677,7 @@
           <a:p>
             <a:fld id="{6A0C97DA-9564-41D9-8EDA-6C1F26C6E3D2}" type="datetimeFigureOut">
               <a:rPr lang="ko-KR" altLang="en-US" smtClean="0"/>
-              <a:t>2017-12-12</a:t>
+              <a:t>2017-12-14</a:t>
             </a:fld>
             <a:endParaRPr lang="ko-KR" altLang="en-US"/>
           </a:p>
@@ -2916,7 +2918,7 @@
           <a:p>
             <a:fld id="{6A0C97DA-9564-41D9-8EDA-6C1F26C6E3D2}" type="datetimeFigureOut">
               <a:rPr lang="ko-KR" altLang="en-US" smtClean="0"/>
-              <a:t>2017-12-12</a:t>
+              <a:t>2017-12-14</a:t>
             </a:fld>
             <a:endParaRPr lang="ko-KR" altLang="en-US"/>
           </a:p>
@@ -4881,6 +4883,150 @@
           </a:fontRef>
         </p:style>
       </p:cxnSp>
+      <p:sp>
+        <p:nvSpPr>
+          <p:cNvPr id="2" name="TextBox 1">
+            <a:extLst>
+              <a:ext uri="{FF2B5EF4-FFF2-40B4-BE49-F238E27FC236}">
+                <a16:creationId xmlns:a16="http://schemas.microsoft.com/office/drawing/2014/main" id="{00987109-A2A1-404B-93F9-9989A629FEC3}"/>
+              </a:ext>
+            </a:extLst>
+          </p:cNvPr>
+          <p:cNvSpPr txBox="1"/>
+          <p:nvPr/>
+        </p:nvSpPr>
+        <p:spPr>
+          <a:xfrm>
+            <a:off x="2188552" y="4051883"/>
+            <a:ext cx="515462" cy="369332"/>
+          </a:xfrm>
+          <a:prstGeom prst="rect">
+            <a:avLst/>
+          </a:prstGeom>
+          <a:noFill/>
+        </p:spPr>
+        <p:txBody>
+          <a:bodyPr wrap="none" rtlCol="0">
+            <a:spAutoFit/>
+          </a:bodyPr>
+          <a:lstStyle/>
+          <a:p>
+            <a:r>
+              <a:rPr lang="en-US" altLang="ko-KR" dirty="0"/>
+              <a:t>Yes</a:t>
+            </a:r>
+            <a:endParaRPr lang="ko-KR" altLang="en-US" dirty="0"/>
+          </a:p>
+        </p:txBody>
+      </p:sp>
+      <p:sp>
+        <p:nvSpPr>
+          <p:cNvPr id="3" name="타원 2">
+            <a:extLst>
+              <a:ext uri="{FF2B5EF4-FFF2-40B4-BE49-F238E27FC236}">
+                <a16:creationId xmlns:a16="http://schemas.microsoft.com/office/drawing/2014/main" id="{F8C39615-90F4-4834-87DB-66449B763AA6}"/>
+              </a:ext>
+            </a:extLst>
+          </p:cNvPr>
+          <p:cNvSpPr/>
+          <p:nvPr/>
+        </p:nvSpPr>
+        <p:spPr>
+          <a:xfrm>
+            <a:off x="6082445" y="3440810"/>
+            <a:ext cx="1613483" cy="1426294"/>
+          </a:xfrm>
+          <a:prstGeom prst="ellipse">
+            <a:avLst/>
+          </a:prstGeom>
+        </p:spPr>
+        <p:style>
+          <a:lnRef idx="2">
+            <a:schemeClr val="accent1">
+              <a:shade val="50000"/>
+            </a:schemeClr>
+          </a:lnRef>
+          <a:fillRef idx="1">
+            <a:schemeClr val="accent1"/>
+          </a:fillRef>
+          <a:effectRef idx="0">
+            <a:schemeClr val="accent1"/>
+          </a:effectRef>
+          <a:fontRef idx="minor">
+            <a:schemeClr val="lt1"/>
+          </a:fontRef>
+        </p:style>
+        <p:txBody>
+          <a:bodyPr rtlCol="0" anchor="ctr"/>
+          <a:lstStyle/>
+          <a:p>
+            <a:pPr algn="ctr"/>
+            <a:r>
+              <a:rPr lang="en-US" altLang="ko-KR" sz="1000" dirty="0"/>
+              <a:t>Client</a:t>
+            </a:r>
+            <a:r>
+              <a:rPr lang="ko-KR" altLang="en-US" sz="1000" dirty="0"/>
+              <a:t>의 </a:t>
+            </a:r>
+            <a:r>
+              <a:rPr lang="en-US" altLang="ko-KR" sz="1000" dirty="0"/>
+              <a:t>SHIPMENT_NO</a:t>
+            </a:r>
+            <a:r>
+              <a:rPr lang="ko-KR" altLang="en-US" sz="1000" dirty="0"/>
+              <a:t>의 값 </a:t>
+            </a:r>
+            <a:r>
+              <a:rPr lang="en-US" altLang="ko-KR" sz="1000" dirty="0"/>
+              <a:t>clear</a:t>
+            </a:r>
+            <a:endParaRPr lang="ko-KR" altLang="en-US" sz="1000" dirty="0"/>
+          </a:p>
+        </p:txBody>
+      </p:sp>
+      <p:cxnSp>
+        <p:nvCxnSpPr>
+          <p:cNvPr id="9" name="직선 화살표 연결선 8">
+            <a:extLst>
+              <a:ext uri="{FF2B5EF4-FFF2-40B4-BE49-F238E27FC236}">
+                <a16:creationId xmlns:a16="http://schemas.microsoft.com/office/drawing/2014/main" id="{ED67FCEB-8EEF-4F13-A0FF-C861AC770E70}"/>
+              </a:ext>
+            </a:extLst>
+          </p:cNvPr>
+          <p:cNvCxnSpPr>
+            <a:stCxn id="6" idx="3"/>
+            <a:endCxn id="3" idx="2"/>
+          </p:cNvCxnSpPr>
+          <p:nvPr/>
+        </p:nvCxnSpPr>
+        <p:spPr>
+          <a:xfrm>
+            <a:off x="4709446" y="4153957"/>
+            <a:ext cx="1372999" cy="0"/>
+          </a:xfrm>
+          <a:prstGeom prst="straightConnector1">
+            <a:avLst/>
+          </a:prstGeom>
+          <a:ln>
+            <a:tailEnd type="triangle"/>
+          </a:ln>
+        </p:spPr>
+        <p:style>
+          <a:lnRef idx="1">
+            <a:schemeClr val="accent1"/>
+          </a:lnRef>
+          <a:fillRef idx="0">
+            <a:schemeClr val="accent1"/>
+          </a:fillRef>
+          <a:effectRef idx="0">
+            <a:schemeClr val="accent1"/>
+          </a:effectRef>
+          <a:fontRef idx="minor">
+            <a:schemeClr val="tx1"/>
+          </a:fontRef>
+        </p:style>
+      </p:cxnSp>
     </p:spTree>
     <p:extLst>
       <p:ext uri="{BB962C8B-B14F-4D97-AF65-F5344CB8AC3E}">
@@ -4926,7 +5072,7 @@
         <p:spPr>
           <a:xfrm>
             <a:off x="897622" y="578839"/>
-            <a:ext cx="10922466" cy="646331"/>
+            <a:ext cx="10922466" cy="830997"/>
           </a:xfrm>
           <a:prstGeom prst="rect">
             <a:avLst/>
@@ -4956,8 +5102,10 @@
               </a:rPr>
               <a:t>, LAT, LNG) : </a:t>
             </a:r>
-            <a:r>
-              <a:rPr lang="ko-KR" altLang="en-US" dirty="0">
+          </a:p>
+          <a:p>
+            <a:r>
+              <a:rPr lang="ko-KR" altLang="en-US" sz="1000" dirty="0">
                 <a:solidFill>
                   <a:srgbClr val="000000"/>
                 </a:solidFill>
@@ -4966,7 +5114,7 @@
               <a:t>얼마나 자주 보내는 가는 </a:t>
             </a:r>
             <a:r>
-              <a:rPr lang="en-US" altLang="ko-KR" dirty="0">
+              <a:rPr lang="en-US" altLang="ko-KR" sz="1000" dirty="0">
                 <a:solidFill>
                   <a:srgbClr val="000000"/>
                 </a:solidFill>
@@ -4975,7 +5123,7 @@
               <a:t>login</a:t>
             </a:r>
             <a:r>
-              <a:rPr lang="ko-KR" altLang="en-US" dirty="0">
+              <a:rPr lang="ko-KR" altLang="en-US" sz="1000" dirty="0">
                 <a:solidFill>
                   <a:srgbClr val="000000"/>
                 </a:solidFill>
@@ -4984,12 +5132,72 @@
               <a:t>시 가지고 와서 셋팅</a:t>
             </a:r>
             <a:r>
-              <a:rPr lang="en-US" altLang="ko-KR" dirty="0"/>
+              <a:rPr lang="en-US" altLang="ko-KR" sz="1000" dirty="0">
+                <a:solidFill>
+                  <a:srgbClr val="000000"/>
+                </a:solidFill>
+                <a:latin typeface="맑은 고딕" panose="020B0503020000020004" pitchFamily="50" charset="-127"/>
+              </a:rPr>
+              <a:t>(</a:t>
+            </a:r>
+            <a:r>
+              <a:rPr lang="en-US" altLang="ko-KR" sz="1000" dirty="0" err="1">
+                <a:solidFill>
+                  <a:srgbClr val="000000"/>
+                </a:solidFill>
+                <a:latin typeface="맑은 고딕" panose="020B0503020000020004" pitchFamily="50" charset="-127"/>
+              </a:rPr>
+              <a:t>gps_term</a:t>
+            </a:r>
+            <a:r>
+              <a:rPr lang="en-US" altLang="ko-KR" sz="1000" dirty="0">
+                <a:solidFill>
+                  <a:srgbClr val="000000"/>
+                </a:solidFill>
+                <a:latin typeface="맑은 고딕" panose="020B0503020000020004" pitchFamily="50" charset="-127"/>
+              </a:rPr>
+              <a:t>)</a:t>
+            </a:r>
+            <a:r>
+              <a:rPr lang="en-US" altLang="ko-KR" sz="1000" dirty="0"/>
               <a:t> , SHIPMENT_NO</a:t>
             </a:r>
             <a:r>
-              <a:rPr lang="ko-KR" altLang="en-US" dirty="0"/>
+              <a:rPr lang="ko-KR" altLang="en-US" sz="1000" dirty="0"/>
               <a:t>값이 있어야 전송</a:t>
+            </a:r>
+            <a:r>
+              <a:rPr lang="en-US" altLang="ko-KR" sz="1000" dirty="0"/>
+              <a:t>.</a:t>
+            </a:r>
+          </a:p>
+          <a:p>
+            <a:r>
+              <a:rPr lang="en-US" altLang="ko-KR" sz="1000" dirty="0"/>
+              <a:t>Start : </a:t>
+            </a:r>
+            <a:r>
+              <a:rPr lang="ko-KR" altLang="en-US" sz="1000" dirty="0"/>
+              <a:t>로그인 시 차가 배송 중일 때 </a:t>
+            </a:r>
+            <a:r>
+              <a:rPr lang="en-US" altLang="ko-KR" sz="1000" dirty="0"/>
+              <a:t>, </a:t>
+            </a:r>
+            <a:r>
+              <a:rPr lang="ko-KR" altLang="en-US" sz="1000" dirty="0"/>
+              <a:t>배송 시작 클릭 시</a:t>
+            </a:r>
+            <a:endParaRPr lang="en-US" altLang="ko-KR" sz="1000" dirty="0"/>
+          </a:p>
+          <a:p>
+            <a:r>
+              <a:rPr lang="en-US" altLang="ko-KR" sz="1000" dirty="0"/>
+              <a:t>Stop : </a:t>
+            </a:r>
+            <a:r>
+              <a:rPr lang="ko-KR" altLang="en-US" sz="1000" dirty="0"/>
+              <a:t>배송 전체 완료 시 </a:t>
             </a:r>
           </a:p>
         </p:txBody>
@@ -5177,6 +5385,781 @@
     <p:extLst>
       <p:ext uri="{BB962C8B-B14F-4D97-AF65-F5344CB8AC3E}">
         <p14:creationId xmlns:p14="http://schemas.microsoft.com/office/powerpoint/2010/main" val="1544364978"/>
+      </p:ext>
+    </p:extLst>
+  </p:cSld>
+  <p:clrMapOvr>
+    <a:masterClrMapping/>
+  </p:clrMapOvr>
+</p:sld>
+</file>
+
+<file path=ppt/slides/slide5.xml><?xml version="1.0" encoding="utf-8"?>
+<p:sld xmlns:a="http://schemas.openxmlformats.org/drawingml/2006/main" xmlns:r="http://schemas.openxmlformats.org/officeDocument/2006/relationships" xmlns:p="http://schemas.openxmlformats.org/presentationml/2006/main">
+  <p:cSld>
+    <p:spTree>
+      <p:nvGrpSpPr>
+        <p:cNvPr id="1" name=""/>
+        <p:cNvGrpSpPr/>
+        <p:nvPr/>
+      </p:nvGrpSpPr>
+      <p:grpSpPr>
+        <a:xfrm>
+          <a:off x="0" y="0"/>
+          <a:ext cx="0" cy="0"/>
+          <a:chOff x="0" y="0"/>
+          <a:chExt cx="0" cy="0"/>
+        </a:xfrm>
+      </p:grpSpPr>
+      <p:sp>
+        <p:nvSpPr>
+          <p:cNvPr id="2" name="제목 1">
+            <a:extLst>
+              <a:ext uri="{FF2B5EF4-FFF2-40B4-BE49-F238E27FC236}">
+                <a16:creationId xmlns:a16="http://schemas.microsoft.com/office/drawing/2014/main" id="{2F0C1667-9C7B-43ED-9B27-B6C3C02ADF38}"/>
+              </a:ext>
+            </a:extLst>
+          </p:cNvPr>
+          <p:cNvSpPr>
+            <a:spLocks noGrp="1"/>
+          </p:cNvSpPr>
+          <p:nvPr>
+            <p:ph type="title"/>
+          </p:nvPr>
+        </p:nvSpPr>
+        <p:spPr/>
+        <p:txBody>
+          <a:bodyPr/>
+          <a:lstStyle/>
+          <a:p>
+            <a:r>
+              <a:rPr lang="ko-KR" altLang="en-US" dirty="0"/>
+              <a:t>배송 시작</a:t>
+            </a:r>
+          </a:p>
+        </p:txBody>
+      </p:sp>
+      <p:sp>
+        <p:nvSpPr>
+          <p:cNvPr id="4" name="직사각형 3">
+            <a:extLst>
+              <a:ext uri="{FF2B5EF4-FFF2-40B4-BE49-F238E27FC236}">
+                <a16:creationId xmlns:a16="http://schemas.microsoft.com/office/drawing/2014/main" id="{CF3D50CE-7592-49F6-AF03-860CDA1F59EF}"/>
+              </a:ext>
+            </a:extLst>
+          </p:cNvPr>
+          <p:cNvSpPr/>
+          <p:nvPr/>
+        </p:nvSpPr>
+        <p:spPr>
+          <a:xfrm>
+            <a:off x="1156707" y="2067530"/>
+            <a:ext cx="2936147" cy="1130417"/>
+          </a:xfrm>
+          <a:prstGeom prst="rect">
+            <a:avLst/>
+          </a:prstGeom>
+        </p:spPr>
+        <p:style>
+          <a:lnRef idx="2">
+            <a:schemeClr val="accent1">
+              <a:shade val="50000"/>
+            </a:schemeClr>
+          </a:lnRef>
+          <a:fillRef idx="1">
+            <a:schemeClr val="accent1"/>
+          </a:fillRef>
+          <a:effectRef idx="0">
+            <a:schemeClr val="accent1"/>
+          </a:effectRef>
+          <a:fontRef idx="minor">
+            <a:schemeClr val="lt1"/>
+          </a:fontRef>
+        </p:style>
+        <p:txBody>
+          <a:bodyPr rtlCol="0" anchor="ctr"/>
+          <a:lstStyle/>
+          <a:p>
+            <a:pPr algn="ctr"/>
+            <a:r>
+              <a:rPr lang="ko-KR" altLang="en-US" sz="1000" dirty="0"/>
+              <a:t>배차</a:t>
+            </a:r>
+            <a:r>
+              <a:rPr lang="en-US" altLang="ko-KR" sz="1000" dirty="0"/>
+              <a:t> </a:t>
+            </a:r>
+            <a:r>
+              <a:rPr lang="ko-KR" altLang="en-US" sz="1000" dirty="0"/>
+              <a:t>테이블 상태 </a:t>
+            </a:r>
+            <a:r>
+              <a:rPr lang="en-US" altLang="ko-KR" sz="1000" dirty="0"/>
+              <a:t>update</a:t>
+            </a:r>
+          </a:p>
+          <a:p>
+            <a:pPr algn="ctr"/>
+            <a:r>
+              <a:rPr lang="en-US" altLang="ko-KR" sz="1000" dirty="0"/>
+              <a:t>(TRUCK_ALLOCATION)</a:t>
+            </a:r>
+            <a:endParaRPr lang="ko-KR" altLang="en-US" sz="1000" dirty="0"/>
+          </a:p>
+        </p:txBody>
+      </p:sp>
+      <p:sp>
+        <p:nvSpPr>
+          <p:cNvPr id="5" name="직사각형 4">
+            <a:extLst>
+              <a:ext uri="{FF2B5EF4-FFF2-40B4-BE49-F238E27FC236}">
+                <a16:creationId xmlns:a16="http://schemas.microsoft.com/office/drawing/2014/main" id="{B01684BC-B100-42E1-A7EC-1137291370D9}"/>
+              </a:ext>
+            </a:extLst>
+          </p:cNvPr>
+          <p:cNvSpPr/>
+          <p:nvPr/>
+        </p:nvSpPr>
+        <p:spPr>
+          <a:xfrm>
+            <a:off x="1156707" y="3574789"/>
+            <a:ext cx="2936147" cy="1130417"/>
+          </a:xfrm>
+          <a:prstGeom prst="rect">
+            <a:avLst/>
+          </a:prstGeom>
+        </p:spPr>
+        <p:style>
+          <a:lnRef idx="2">
+            <a:schemeClr val="accent1">
+              <a:shade val="50000"/>
+            </a:schemeClr>
+          </a:lnRef>
+          <a:fillRef idx="1">
+            <a:schemeClr val="accent1"/>
+          </a:fillRef>
+          <a:effectRef idx="0">
+            <a:schemeClr val="accent1"/>
+          </a:effectRef>
+          <a:fontRef idx="minor">
+            <a:schemeClr val="lt1"/>
+          </a:fontRef>
+        </p:style>
+        <p:txBody>
+          <a:bodyPr rtlCol="0" anchor="ctr"/>
+          <a:lstStyle/>
+          <a:p>
+            <a:pPr algn="ctr"/>
+            <a:r>
+              <a:rPr lang="ko-KR" altLang="en-US" sz="1000" dirty="0"/>
+              <a:t>오더</a:t>
+            </a:r>
+            <a:r>
+              <a:rPr lang="en-US" altLang="ko-KR" sz="1000" dirty="0"/>
+              <a:t> </a:t>
+            </a:r>
+            <a:r>
+              <a:rPr lang="ko-KR" altLang="en-US" sz="1000" dirty="0"/>
+              <a:t>테이블 상태 </a:t>
+            </a:r>
+            <a:r>
+              <a:rPr lang="en-US" altLang="ko-KR" sz="1000" dirty="0"/>
+              <a:t>update</a:t>
+            </a:r>
+          </a:p>
+          <a:p>
+            <a:pPr algn="ctr"/>
+            <a:r>
+              <a:rPr lang="en-US" altLang="ko-KR" sz="1000" dirty="0"/>
+              <a:t>&lt;&lt;</a:t>
+            </a:r>
+            <a:r>
+              <a:rPr lang="en-US" altLang="ko-KR" sz="1000" dirty="0" err="1"/>
+              <a:t>sp_UPDATE_ORD_STATUS</a:t>
+            </a:r>
+            <a:r>
+              <a:rPr lang="en-US" altLang="ko-KR" sz="1000" dirty="0"/>
+              <a:t>&gt;&gt;</a:t>
+            </a:r>
+            <a:endParaRPr lang="en-US" altLang="ko-KR" sz="800" dirty="0"/>
+          </a:p>
+        </p:txBody>
+      </p:sp>
+      <p:cxnSp>
+        <p:nvCxnSpPr>
+          <p:cNvPr id="7" name="직선 화살표 연결선 6">
+            <a:extLst>
+              <a:ext uri="{FF2B5EF4-FFF2-40B4-BE49-F238E27FC236}">
+                <a16:creationId xmlns:a16="http://schemas.microsoft.com/office/drawing/2014/main" id="{4911A899-A19A-4833-87B7-179668F76CB1}"/>
+              </a:ext>
+            </a:extLst>
+          </p:cNvPr>
+          <p:cNvCxnSpPr>
+            <a:stCxn id="4" idx="2"/>
+            <a:endCxn id="5" idx="0"/>
+          </p:cNvCxnSpPr>
+          <p:nvPr/>
+        </p:nvCxnSpPr>
+        <p:spPr>
+          <a:xfrm>
+            <a:off x="2624781" y="3197947"/>
+            <a:ext cx="0" cy="376842"/>
+          </a:xfrm>
+          <a:prstGeom prst="straightConnector1">
+            <a:avLst/>
+          </a:prstGeom>
+          <a:ln>
+            <a:tailEnd type="triangle"/>
+          </a:ln>
+        </p:spPr>
+        <p:style>
+          <a:lnRef idx="1">
+            <a:schemeClr val="accent1"/>
+          </a:lnRef>
+          <a:fillRef idx="0">
+            <a:schemeClr val="accent1"/>
+          </a:fillRef>
+          <a:effectRef idx="0">
+            <a:schemeClr val="accent1"/>
+          </a:effectRef>
+          <a:fontRef idx="minor">
+            <a:schemeClr val="tx1"/>
+          </a:fontRef>
+        </p:style>
+      </p:cxnSp>
+      <p:sp>
+        <p:nvSpPr>
+          <p:cNvPr id="10" name="타원 9">
+            <a:extLst>
+              <a:ext uri="{FF2B5EF4-FFF2-40B4-BE49-F238E27FC236}">
+                <a16:creationId xmlns:a16="http://schemas.microsoft.com/office/drawing/2014/main" id="{8B0724DF-B8D6-4514-86AC-D4482B917D61}"/>
+              </a:ext>
+            </a:extLst>
+          </p:cNvPr>
+          <p:cNvSpPr/>
+          <p:nvPr/>
+        </p:nvSpPr>
+        <p:spPr>
+          <a:xfrm>
+            <a:off x="2167580" y="5314731"/>
+            <a:ext cx="914400" cy="712727"/>
+          </a:xfrm>
+          <a:prstGeom prst="ellipse">
+            <a:avLst/>
+          </a:prstGeom>
+        </p:spPr>
+        <p:style>
+          <a:lnRef idx="2">
+            <a:schemeClr val="accent1">
+              <a:shade val="50000"/>
+            </a:schemeClr>
+          </a:lnRef>
+          <a:fillRef idx="1">
+            <a:schemeClr val="accent1"/>
+          </a:fillRef>
+          <a:effectRef idx="0">
+            <a:schemeClr val="accent1"/>
+          </a:effectRef>
+          <a:fontRef idx="minor">
+            <a:schemeClr val="lt1"/>
+          </a:fontRef>
+        </p:style>
+        <p:txBody>
+          <a:bodyPr rtlCol="0" anchor="ctr"/>
+          <a:lstStyle/>
+          <a:p>
+            <a:pPr algn="ctr"/>
+            <a:r>
+              <a:rPr lang="ko-KR" altLang="en-US" sz="1000"/>
+              <a:t>알림톡</a:t>
+            </a:r>
+            <a:endParaRPr lang="ko-KR" altLang="en-US" sz="1000" dirty="0"/>
+          </a:p>
+        </p:txBody>
+      </p:sp>
+      <p:cxnSp>
+        <p:nvCxnSpPr>
+          <p:cNvPr id="12" name="직선 화살표 연결선 11">
+            <a:extLst>
+              <a:ext uri="{FF2B5EF4-FFF2-40B4-BE49-F238E27FC236}">
+                <a16:creationId xmlns:a16="http://schemas.microsoft.com/office/drawing/2014/main" id="{C3CFC0B9-8D54-4C67-92EC-F7AF75D8050D}"/>
+              </a:ext>
+            </a:extLst>
+          </p:cNvPr>
+          <p:cNvCxnSpPr>
+            <a:stCxn id="5" idx="2"/>
+            <a:endCxn id="10" idx="0"/>
+          </p:cNvCxnSpPr>
+          <p:nvPr/>
+        </p:nvCxnSpPr>
+        <p:spPr>
+          <a:xfrm flipH="1">
+            <a:off x="2624780" y="4705206"/>
+            <a:ext cx="1" cy="609525"/>
+          </a:xfrm>
+          <a:prstGeom prst="straightConnector1">
+            <a:avLst/>
+          </a:prstGeom>
+          <a:ln>
+            <a:tailEnd type="triangle"/>
+          </a:ln>
+        </p:spPr>
+        <p:style>
+          <a:lnRef idx="1">
+            <a:schemeClr val="accent1"/>
+          </a:lnRef>
+          <a:fillRef idx="0">
+            <a:schemeClr val="accent1"/>
+          </a:fillRef>
+          <a:effectRef idx="0">
+            <a:schemeClr val="accent1"/>
+          </a:effectRef>
+          <a:fontRef idx="minor">
+            <a:schemeClr val="tx1"/>
+          </a:fontRef>
+        </p:style>
+      </p:cxnSp>
+    </p:spTree>
+    <p:extLst>
+      <p:ext uri="{BB962C8B-B14F-4D97-AF65-F5344CB8AC3E}">
+        <p14:creationId xmlns:p14="http://schemas.microsoft.com/office/powerpoint/2010/main" val="4057434906"/>
+      </p:ext>
+    </p:extLst>
+  </p:cSld>
+  <p:clrMapOvr>
+    <a:masterClrMapping/>
+  </p:clrMapOvr>
+</p:sld>
+</file>
+
+<file path=ppt/slides/slide6.xml><?xml version="1.0" encoding="utf-8"?>
+<p:sld xmlns:a="http://schemas.openxmlformats.org/drawingml/2006/main" xmlns:r="http://schemas.openxmlformats.org/officeDocument/2006/relationships" xmlns:p="http://schemas.openxmlformats.org/presentationml/2006/main">
+  <p:cSld>
+    <p:spTree>
+      <p:nvGrpSpPr>
+        <p:cNvPr id="1" name=""/>
+        <p:cNvGrpSpPr/>
+        <p:nvPr/>
+      </p:nvGrpSpPr>
+      <p:grpSpPr>
+        <a:xfrm>
+          <a:off x="0" y="0"/>
+          <a:ext cx="0" cy="0"/>
+          <a:chOff x="0" y="0"/>
+          <a:chExt cx="0" cy="0"/>
+        </a:xfrm>
+      </p:grpSpPr>
+      <p:sp>
+        <p:nvSpPr>
+          <p:cNvPr id="2" name="제목 1">
+            <a:extLst>
+              <a:ext uri="{FF2B5EF4-FFF2-40B4-BE49-F238E27FC236}">
+                <a16:creationId xmlns:a16="http://schemas.microsoft.com/office/drawing/2014/main" id="{2F0C1667-9C7B-43ED-9B27-B6C3C02ADF38}"/>
+              </a:ext>
+            </a:extLst>
+          </p:cNvPr>
+          <p:cNvSpPr>
+            <a:spLocks noGrp="1"/>
+          </p:cNvSpPr>
+          <p:nvPr>
+            <p:ph type="title"/>
+          </p:nvPr>
+        </p:nvSpPr>
+        <p:spPr/>
+        <p:txBody>
+          <a:bodyPr/>
+          <a:lstStyle/>
+          <a:p>
+            <a:r>
+              <a:rPr lang="ko-KR" altLang="en-US" dirty="0"/>
+              <a:t>배송 완료</a:t>
+            </a:r>
+          </a:p>
+        </p:txBody>
+      </p:sp>
+      <p:sp>
+        <p:nvSpPr>
+          <p:cNvPr id="4" name="직사각형 3">
+            <a:extLst>
+              <a:ext uri="{FF2B5EF4-FFF2-40B4-BE49-F238E27FC236}">
+                <a16:creationId xmlns:a16="http://schemas.microsoft.com/office/drawing/2014/main" id="{CF3D50CE-7592-49F6-AF03-860CDA1F59EF}"/>
+              </a:ext>
+            </a:extLst>
+          </p:cNvPr>
+          <p:cNvSpPr/>
+          <p:nvPr/>
+        </p:nvSpPr>
+        <p:spPr>
+          <a:xfrm>
+            <a:off x="1156707" y="2067530"/>
+            <a:ext cx="2936147" cy="1130417"/>
+          </a:xfrm>
+          <a:prstGeom prst="rect">
+            <a:avLst/>
+          </a:prstGeom>
+        </p:spPr>
+        <p:style>
+          <a:lnRef idx="2">
+            <a:schemeClr val="accent1">
+              <a:shade val="50000"/>
+            </a:schemeClr>
+          </a:lnRef>
+          <a:fillRef idx="1">
+            <a:schemeClr val="accent1"/>
+          </a:fillRef>
+          <a:effectRef idx="0">
+            <a:schemeClr val="accent1"/>
+          </a:effectRef>
+          <a:fontRef idx="minor">
+            <a:schemeClr val="lt1"/>
+          </a:fontRef>
+        </p:style>
+        <p:txBody>
+          <a:bodyPr rtlCol="0" anchor="ctr"/>
+          <a:lstStyle/>
+          <a:p>
+            <a:pPr algn="ctr"/>
+            <a:r>
+              <a:rPr lang="ko-KR" altLang="en-US" sz="1000" dirty="0"/>
+              <a:t>오더</a:t>
+            </a:r>
+            <a:r>
+              <a:rPr lang="en-US" altLang="ko-KR" sz="1000" dirty="0"/>
+              <a:t> </a:t>
+            </a:r>
+            <a:r>
+              <a:rPr lang="ko-KR" altLang="en-US" sz="1000" dirty="0"/>
+              <a:t>테이블 상태 </a:t>
+            </a:r>
+            <a:r>
+              <a:rPr lang="en-US" altLang="ko-KR" sz="1000" dirty="0"/>
+              <a:t>update</a:t>
+            </a:r>
+          </a:p>
+          <a:p>
+            <a:pPr algn="ctr"/>
+            <a:r>
+              <a:rPr lang="en-US" altLang="ko-KR" sz="1000" dirty="0"/>
+              <a:t>&lt;&lt;</a:t>
+            </a:r>
+            <a:r>
+              <a:rPr lang="en-US" altLang="ko-KR" sz="1000" dirty="0" err="1"/>
+              <a:t>sp_UPDATE_ORD_STATUS</a:t>
+            </a:r>
+            <a:r>
+              <a:rPr lang="en-US" altLang="ko-KR" sz="1000" dirty="0"/>
+              <a:t>&gt;&gt;</a:t>
+            </a:r>
+            <a:endParaRPr lang="ko-KR" altLang="en-US" sz="1000" dirty="0"/>
+          </a:p>
+        </p:txBody>
+      </p:sp>
+      <p:sp>
+        <p:nvSpPr>
+          <p:cNvPr id="5" name="직사각형 4">
+            <a:extLst>
+              <a:ext uri="{FF2B5EF4-FFF2-40B4-BE49-F238E27FC236}">
+                <a16:creationId xmlns:a16="http://schemas.microsoft.com/office/drawing/2014/main" id="{B01684BC-B100-42E1-A7EC-1137291370D9}"/>
+              </a:ext>
+            </a:extLst>
+          </p:cNvPr>
+          <p:cNvSpPr/>
+          <p:nvPr/>
+        </p:nvSpPr>
+        <p:spPr>
+          <a:xfrm>
+            <a:off x="4643303" y="4433174"/>
+            <a:ext cx="2936147" cy="1130417"/>
+          </a:xfrm>
+          <a:prstGeom prst="rect">
+            <a:avLst/>
+          </a:prstGeom>
+        </p:spPr>
+        <p:style>
+          <a:lnRef idx="2">
+            <a:schemeClr val="accent1">
+              <a:shade val="50000"/>
+            </a:schemeClr>
+          </a:lnRef>
+          <a:fillRef idx="1">
+            <a:schemeClr val="accent1"/>
+          </a:fillRef>
+          <a:effectRef idx="0">
+            <a:schemeClr val="accent1"/>
+          </a:effectRef>
+          <a:fontRef idx="minor">
+            <a:schemeClr val="lt1"/>
+          </a:fontRef>
+        </p:style>
+        <p:txBody>
+          <a:bodyPr rtlCol="0" anchor="ctr"/>
+          <a:lstStyle/>
+          <a:p>
+            <a:pPr algn="ctr"/>
+            <a:r>
+              <a:rPr lang="ko-KR" altLang="en-US" sz="800"/>
+              <a:t>배차</a:t>
+            </a:r>
+            <a:r>
+              <a:rPr lang="en-US" altLang="ko-KR" sz="800"/>
+              <a:t> </a:t>
+            </a:r>
+            <a:r>
+              <a:rPr lang="ko-KR" altLang="en-US" sz="800"/>
+              <a:t>테이블 상태 </a:t>
+            </a:r>
+            <a:r>
+              <a:rPr lang="en-US" altLang="ko-KR" sz="800"/>
+              <a:t>update</a:t>
+            </a:r>
+          </a:p>
+          <a:p>
+            <a:pPr algn="ctr"/>
+            <a:r>
+              <a:rPr lang="en-US" altLang="ko-KR" sz="800"/>
+              <a:t>(TRUCK_ALLOCATION)</a:t>
+            </a:r>
+            <a:endParaRPr lang="ko-KR" altLang="en-US" sz="800" dirty="0"/>
+          </a:p>
+        </p:txBody>
+      </p:sp>
+      <p:sp>
+        <p:nvSpPr>
+          <p:cNvPr id="3" name="순서도: 판단 2">
+            <a:extLst>
+              <a:ext uri="{FF2B5EF4-FFF2-40B4-BE49-F238E27FC236}">
+                <a16:creationId xmlns:a16="http://schemas.microsoft.com/office/drawing/2014/main" id="{CC87F883-4E9E-40ED-9BEC-1BF2061D05A7}"/>
+              </a:ext>
+            </a:extLst>
+          </p:cNvPr>
+          <p:cNvSpPr/>
+          <p:nvPr/>
+        </p:nvSpPr>
+        <p:spPr>
+          <a:xfrm>
+            <a:off x="4613945" y="2860646"/>
+            <a:ext cx="2994865" cy="822121"/>
+          </a:xfrm>
+          <a:prstGeom prst="flowChartDecision">
+            <a:avLst/>
+          </a:prstGeom>
+        </p:spPr>
+        <p:style>
+          <a:lnRef idx="2">
+            <a:schemeClr val="accent1">
+              <a:shade val="50000"/>
+            </a:schemeClr>
+          </a:lnRef>
+          <a:fillRef idx="1">
+            <a:schemeClr val="accent1"/>
+          </a:fillRef>
+          <a:effectRef idx="0">
+            <a:schemeClr val="accent1"/>
+          </a:effectRef>
+          <a:fontRef idx="minor">
+            <a:schemeClr val="lt1"/>
+          </a:fontRef>
+        </p:style>
+        <p:txBody>
+          <a:bodyPr rtlCol="0" anchor="ctr"/>
+          <a:lstStyle/>
+          <a:p>
+            <a:pPr algn="ctr"/>
+            <a:r>
+              <a:rPr lang="ko-KR" altLang="en-US" sz="1000" dirty="0"/>
+              <a:t>모든 배송 완료</a:t>
+            </a:r>
+            <a:r>
+              <a:rPr lang="en-US" altLang="ko-KR" sz="1000" dirty="0"/>
+              <a:t>?</a:t>
+            </a:r>
+            <a:endParaRPr lang="ko-KR" altLang="en-US" sz="1000" dirty="0"/>
+          </a:p>
+        </p:txBody>
+      </p:sp>
+      <p:cxnSp>
+        <p:nvCxnSpPr>
+          <p:cNvPr id="8" name="연결선: 꺾임 7">
+            <a:extLst>
+              <a:ext uri="{FF2B5EF4-FFF2-40B4-BE49-F238E27FC236}">
+                <a16:creationId xmlns:a16="http://schemas.microsoft.com/office/drawing/2014/main" id="{4FC9D4A4-A848-41CD-A250-264D10C34C2D}"/>
+              </a:ext>
+            </a:extLst>
+          </p:cNvPr>
+          <p:cNvCxnSpPr>
+            <a:cxnSpLocks/>
+            <a:stCxn id="3" idx="2"/>
+            <a:endCxn id="5" idx="0"/>
+          </p:cNvCxnSpPr>
+          <p:nvPr/>
+        </p:nvCxnSpPr>
+        <p:spPr>
+          <a:xfrm rot="5400000">
+            <a:off x="5736175" y="4057970"/>
+            <a:ext cx="750407" cy="1"/>
+          </a:xfrm>
+          <a:prstGeom prst="bentConnector3">
+            <a:avLst>
+              <a:gd name="adj1" fmla="val 50000"/>
+            </a:avLst>
+          </a:prstGeom>
+          <a:ln>
+            <a:tailEnd type="triangle"/>
+          </a:ln>
+        </p:spPr>
+        <p:style>
+          <a:lnRef idx="1">
+            <a:schemeClr val="accent1"/>
+          </a:lnRef>
+          <a:fillRef idx="0">
+            <a:schemeClr val="accent1"/>
+          </a:fillRef>
+          <a:effectRef idx="0">
+            <a:schemeClr val="accent1"/>
+          </a:effectRef>
+          <a:fontRef idx="minor">
+            <a:schemeClr val="tx1"/>
+          </a:fontRef>
+        </p:style>
+      </p:cxnSp>
+      <p:cxnSp>
+        <p:nvCxnSpPr>
+          <p:cNvPr id="10" name="연결선: 꺾임 9">
+            <a:extLst>
+              <a:ext uri="{FF2B5EF4-FFF2-40B4-BE49-F238E27FC236}">
+                <a16:creationId xmlns:a16="http://schemas.microsoft.com/office/drawing/2014/main" id="{7462A3DD-D67D-4EBC-ACE4-D1979B99BCB6}"/>
+              </a:ext>
+            </a:extLst>
+          </p:cNvPr>
+          <p:cNvCxnSpPr>
+            <a:stCxn id="4" idx="3"/>
+            <a:endCxn id="3" idx="0"/>
+          </p:cNvCxnSpPr>
+          <p:nvPr/>
+        </p:nvCxnSpPr>
+        <p:spPr>
+          <a:xfrm>
+            <a:off x="4092854" y="2632739"/>
+            <a:ext cx="2018524" cy="227907"/>
+          </a:xfrm>
+          <a:prstGeom prst="bentConnector2">
+            <a:avLst/>
+          </a:prstGeom>
+          <a:ln>
+            <a:tailEnd type="triangle"/>
+          </a:ln>
+        </p:spPr>
+        <p:style>
+          <a:lnRef idx="1">
+            <a:schemeClr val="accent1"/>
+          </a:lnRef>
+          <a:fillRef idx="0">
+            <a:schemeClr val="accent1"/>
+          </a:fillRef>
+          <a:effectRef idx="0">
+            <a:schemeClr val="accent1"/>
+          </a:effectRef>
+          <a:fontRef idx="minor">
+            <a:schemeClr val="tx1"/>
+          </a:fontRef>
+        </p:style>
+      </p:cxnSp>
+      <p:sp>
+        <p:nvSpPr>
+          <p:cNvPr id="13" name="타원 12">
+            <a:extLst>
+              <a:ext uri="{FF2B5EF4-FFF2-40B4-BE49-F238E27FC236}">
+                <a16:creationId xmlns:a16="http://schemas.microsoft.com/office/drawing/2014/main" id="{70459B68-C8A3-405E-A295-A901A33FD2FA}"/>
+              </a:ext>
+            </a:extLst>
+          </p:cNvPr>
+          <p:cNvSpPr/>
+          <p:nvPr/>
+        </p:nvSpPr>
+        <p:spPr>
+          <a:xfrm>
+            <a:off x="2167580" y="4719113"/>
+            <a:ext cx="914400" cy="712727"/>
+          </a:xfrm>
+          <a:prstGeom prst="ellipse">
+            <a:avLst/>
+          </a:prstGeom>
+        </p:spPr>
+        <p:style>
+          <a:lnRef idx="2">
+            <a:schemeClr val="accent1">
+              <a:shade val="50000"/>
+            </a:schemeClr>
+          </a:lnRef>
+          <a:fillRef idx="1">
+            <a:schemeClr val="accent1"/>
+          </a:fillRef>
+          <a:effectRef idx="0">
+            <a:schemeClr val="accent1"/>
+          </a:effectRef>
+          <a:fontRef idx="minor">
+            <a:schemeClr val="lt1"/>
+          </a:fontRef>
+        </p:style>
+        <p:txBody>
+          <a:bodyPr rtlCol="0" anchor="ctr"/>
+          <a:lstStyle/>
+          <a:p>
+            <a:pPr algn="ctr"/>
+            <a:r>
+              <a:rPr lang="ko-KR" altLang="en-US" sz="1000"/>
+              <a:t>알림톡</a:t>
+            </a:r>
+            <a:endParaRPr lang="ko-KR" altLang="en-US" sz="1000" dirty="0"/>
+          </a:p>
+        </p:txBody>
+      </p:sp>
+      <p:cxnSp>
+        <p:nvCxnSpPr>
+          <p:cNvPr id="23" name="직선 화살표 연결선 22">
+            <a:extLst>
+              <a:ext uri="{FF2B5EF4-FFF2-40B4-BE49-F238E27FC236}">
+                <a16:creationId xmlns:a16="http://schemas.microsoft.com/office/drawing/2014/main" id="{B8102D6F-2F87-4A79-AEB0-F4F8CC0AEFDE}"/>
+              </a:ext>
+            </a:extLst>
+          </p:cNvPr>
+          <p:cNvCxnSpPr>
+            <a:stCxn id="4" idx="2"/>
+            <a:endCxn id="13" idx="0"/>
+          </p:cNvCxnSpPr>
+          <p:nvPr/>
+        </p:nvCxnSpPr>
+        <p:spPr>
+          <a:xfrm flipH="1">
+            <a:off x="2624780" y="3197947"/>
+            <a:ext cx="1" cy="1521166"/>
+          </a:xfrm>
+          <a:prstGeom prst="straightConnector1">
+            <a:avLst/>
+          </a:prstGeom>
+          <a:ln>
+            <a:tailEnd type="triangle"/>
+          </a:ln>
+        </p:spPr>
+        <p:style>
+          <a:lnRef idx="1">
+            <a:schemeClr val="accent1"/>
+          </a:lnRef>
+          <a:fillRef idx="0">
+            <a:schemeClr val="accent1"/>
+          </a:fillRef>
+          <a:effectRef idx="0">
+            <a:schemeClr val="accent1"/>
+          </a:effectRef>
+          <a:fontRef idx="minor">
+            <a:schemeClr val="tx1"/>
+          </a:fontRef>
+        </p:style>
+      </p:cxnSp>
+    </p:spTree>
+    <p:extLst>
+      <p:ext uri="{BB962C8B-B14F-4D97-AF65-F5344CB8AC3E}">
+        <p14:creationId xmlns:p14="http://schemas.microsoft.com/office/powerpoint/2010/main" val="3441490761"/>
       </p:ext>
     </p:extLst>
   </p:cSld>

--- a/docs/택배앱_프로시저.pptx
+++ b/docs/택배앱_프로시저.pptx
@@ -268,7 +268,7 @@
           <a:p>
             <a:fld id="{6A0C97DA-9564-41D9-8EDA-6C1F26C6E3D2}" type="datetimeFigureOut">
               <a:rPr lang="ko-KR" altLang="en-US" smtClean="0"/>
-              <a:t>2017-12-14</a:t>
+              <a:t>2017-12-19</a:t>
             </a:fld>
             <a:endParaRPr lang="ko-KR" altLang="en-US"/>
           </a:p>
@@ -466,7 +466,7 @@
           <a:p>
             <a:fld id="{6A0C97DA-9564-41D9-8EDA-6C1F26C6E3D2}" type="datetimeFigureOut">
               <a:rPr lang="ko-KR" altLang="en-US" smtClean="0"/>
-              <a:t>2017-12-14</a:t>
+              <a:t>2017-12-19</a:t>
             </a:fld>
             <a:endParaRPr lang="ko-KR" altLang="en-US"/>
           </a:p>
@@ -674,7 +674,7 @@
           <a:p>
             <a:fld id="{6A0C97DA-9564-41D9-8EDA-6C1F26C6E3D2}" type="datetimeFigureOut">
               <a:rPr lang="ko-KR" altLang="en-US" smtClean="0"/>
-              <a:t>2017-12-14</a:t>
+              <a:t>2017-12-19</a:t>
             </a:fld>
             <a:endParaRPr lang="ko-KR" altLang="en-US"/>
           </a:p>
@@ -872,7 +872,7 @@
           <a:p>
             <a:fld id="{6A0C97DA-9564-41D9-8EDA-6C1F26C6E3D2}" type="datetimeFigureOut">
               <a:rPr lang="ko-KR" altLang="en-US" smtClean="0"/>
-              <a:t>2017-12-14</a:t>
+              <a:t>2017-12-19</a:t>
             </a:fld>
             <a:endParaRPr lang="ko-KR" altLang="en-US"/>
           </a:p>
@@ -1147,7 +1147,7 @@
           <a:p>
             <a:fld id="{6A0C97DA-9564-41D9-8EDA-6C1F26C6E3D2}" type="datetimeFigureOut">
               <a:rPr lang="ko-KR" altLang="en-US" smtClean="0"/>
-              <a:t>2017-12-14</a:t>
+              <a:t>2017-12-19</a:t>
             </a:fld>
             <a:endParaRPr lang="ko-KR" altLang="en-US"/>
           </a:p>
@@ -1412,7 +1412,7 @@
           <a:p>
             <a:fld id="{6A0C97DA-9564-41D9-8EDA-6C1F26C6E3D2}" type="datetimeFigureOut">
               <a:rPr lang="ko-KR" altLang="en-US" smtClean="0"/>
-              <a:t>2017-12-14</a:t>
+              <a:t>2017-12-19</a:t>
             </a:fld>
             <a:endParaRPr lang="ko-KR" altLang="en-US"/>
           </a:p>
@@ -1824,7 +1824,7 @@
           <a:p>
             <a:fld id="{6A0C97DA-9564-41D9-8EDA-6C1F26C6E3D2}" type="datetimeFigureOut">
               <a:rPr lang="ko-KR" altLang="en-US" smtClean="0"/>
-              <a:t>2017-12-14</a:t>
+              <a:t>2017-12-19</a:t>
             </a:fld>
             <a:endParaRPr lang="ko-KR" altLang="en-US"/>
           </a:p>
@@ -1965,7 +1965,7 @@
           <a:p>
             <a:fld id="{6A0C97DA-9564-41D9-8EDA-6C1F26C6E3D2}" type="datetimeFigureOut">
               <a:rPr lang="ko-KR" altLang="en-US" smtClean="0"/>
-              <a:t>2017-12-14</a:t>
+              <a:t>2017-12-19</a:t>
             </a:fld>
             <a:endParaRPr lang="ko-KR" altLang="en-US"/>
           </a:p>
@@ -2078,7 +2078,7 @@
           <a:p>
             <a:fld id="{6A0C97DA-9564-41D9-8EDA-6C1F26C6E3D2}" type="datetimeFigureOut">
               <a:rPr lang="ko-KR" altLang="en-US" smtClean="0"/>
-              <a:t>2017-12-14</a:t>
+              <a:t>2017-12-19</a:t>
             </a:fld>
             <a:endParaRPr lang="ko-KR" altLang="en-US"/>
           </a:p>
@@ -2389,7 +2389,7 @@
           <a:p>
             <a:fld id="{6A0C97DA-9564-41D9-8EDA-6C1F26C6E3D2}" type="datetimeFigureOut">
               <a:rPr lang="ko-KR" altLang="en-US" smtClean="0"/>
-              <a:t>2017-12-14</a:t>
+              <a:t>2017-12-19</a:t>
             </a:fld>
             <a:endParaRPr lang="ko-KR" altLang="en-US"/>
           </a:p>
@@ -2677,7 +2677,7 @@
           <a:p>
             <a:fld id="{6A0C97DA-9564-41D9-8EDA-6C1F26C6E3D2}" type="datetimeFigureOut">
               <a:rPr lang="ko-KR" altLang="en-US" smtClean="0"/>
-              <a:t>2017-12-14</a:t>
+              <a:t>2017-12-19</a:t>
             </a:fld>
             <a:endParaRPr lang="ko-KR" altLang="en-US"/>
           </a:p>
@@ -2918,7 +2918,7 @@
           <a:p>
             <a:fld id="{6A0C97DA-9564-41D9-8EDA-6C1F26C6E3D2}" type="datetimeFigureOut">
               <a:rPr lang="ko-KR" altLang="en-US" smtClean="0"/>
-              <a:t>2017-12-14</a:t>
+              <a:t>2017-12-19</a:t>
             </a:fld>
             <a:endParaRPr lang="ko-KR" altLang="en-US"/>
           </a:p>
@@ -5441,75 +5441,6 @@
       </p:sp>
       <p:sp>
         <p:nvSpPr>
-          <p:cNvPr id="4" name="직사각형 3">
-            <a:extLst>
-              <a:ext uri="{FF2B5EF4-FFF2-40B4-BE49-F238E27FC236}">
-                <a16:creationId xmlns:a16="http://schemas.microsoft.com/office/drawing/2014/main" id="{CF3D50CE-7592-49F6-AF03-860CDA1F59EF}"/>
-              </a:ext>
-            </a:extLst>
-          </p:cNvPr>
-          <p:cNvSpPr/>
-          <p:nvPr/>
-        </p:nvSpPr>
-        <p:spPr>
-          <a:xfrm>
-            <a:off x="1156707" y="2067530"/>
-            <a:ext cx="2936147" cy="1130417"/>
-          </a:xfrm>
-          <a:prstGeom prst="rect">
-            <a:avLst/>
-          </a:prstGeom>
-        </p:spPr>
-        <p:style>
-          <a:lnRef idx="2">
-            <a:schemeClr val="accent1">
-              <a:shade val="50000"/>
-            </a:schemeClr>
-          </a:lnRef>
-          <a:fillRef idx="1">
-            <a:schemeClr val="accent1"/>
-          </a:fillRef>
-          <a:effectRef idx="0">
-            <a:schemeClr val="accent1"/>
-          </a:effectRef>
-          <a:fontRef idx="minor">
-            <a:schemeClr val="lt1"/>
-          </a:fontRef>
-        </p:style>
-        <p:txBody>
-          <a:bodyPr rtlCol="0" anchor="ctr"/>
-          <a:lstStyle/>
-          <a:p>
-            <a:pPr algn="ctr"/>
-            <a:r>
-              <a:rPr lang="ko-KR" altLang="en-US" sz="1000" dirty="0"/>
-              <a:t>배차</a:t>
-            </a:r>
-            <a:r>
-              <a:rPr lang="en-US" altLang="ko-KR" sz="1000" dirty="0"/>
-              <a:t> </a:t>
-            </a:r>
-            <a:r>
-              <a:rPr lang="ko-KR" altLang="en-US" sz="1000" dirty="0"/>
-              <a:t>테이블 상태 </a:t>
-            </a:r>
-            <a:r>
-              <a:rPr lang="en-US" altLang="ko-KR" sz="1000" dirty="0"/>
-              <a:t>update</a:t>
-            </a:r>
-          </a:p>
-          <a:p>
-            <a:pPr algn="ctr"/>
-            <a:r>
-              <a:rPr lang="en-US" altLang="ko-KR" sz="1000" dirty="0"/>
-              <a:t>(TRUCK_ALLOCATION)</a:t>
-            </a:r>
-            <a:endParaRPr lang="ko-KR" altLang="en-US" sz="1000" dirty="0"/>
-          </a:p>
-        </p:txBody>
-      </p:sp>
-      <p:sp>
-        <p:nvSpPr>
           <p:cNvPr id="5" name="직사각형 4">
             <a:extLst>
               <a:ext uri="{FF2B5EF4-FFF2-40B4-BE49-F238E27FC236}">
@@ -5560,11 +5491,11 @@
             </a:r>
             <a:r>
               <a:rPr lang="ko-KR" altLang="en-US" sz="1000" dirty="0"/>
-              <a:t>테이블 상태 </a:t>
+              <a:t>테이블 상태 전체 </a:t>
             </a:r>
             <a:r>
               <a:rPr lang="en-US" altLang="ko-KR" sz="1000" dirty="0"/>
-              <a:t>update</a:t>
+              <a:t>update ‘001’</a:t>
             </a:r>
           </a:p>
           <a:p>
@@ -5585,48 +5516,6 @@
           </a:p>
         </p:txBody>
       </p:sp>
-      <p:cxnSp>
-        <p:nvCxnSpPr>
-          <p:cNvPr id="7" name="직선 화살표 연결선 6">
-            <a:extLst>
-              <a:ext uri="{FF2B5EF4-FFF2-40B4-BE49-F238E27FC236}">
-                <a16:creationId xmlns:a16="http://schemas.microsoft.com/office/drawing/2014/main" id="{4911A899-A19A-4833-87B7-179668F76CB1}"/>
-              </a:ext>
-            </a:extLst>
-          </p:cNvPr>
-          <p:cNvCxnSpPr>
-            <a:stCxn id="4" idx="2"/>
-            <a:endCxn id="5" idx="0"/>
-          </p:cNvCxnSpPr>
-          <p:nvPr/>
-        </p:nvCxnSpPr>
-        <p:spPr>
-          <a:xfrm>
-            <a:off x="2624781" y="3197947"/>
-            <a:ext cx="0" cy="376842"/>
-          </a:xfrm>
-          <a:prstGeom prst="straightConnector1">
-            <a:avLst/>
-          </a:prstGeom>
-          <a:ln>
-            <a:tailEnd type="triangle"/>
-          </a:ln>
-        </p:spPr>
-        <p:style>
-          <a:lnRef idx="1">
-            <a:schemeClr val="accent1"/>
-          </a:lnRef>
-          <a:fillRef idx="0">
-            <a:schemeClr val="accent1"/>
-          </a:fillRef>
-          <a:effectRef idx="0">
-            <a:schemeClr val="accent1"/>
-          </a:effectRef>
-          <a:fontRef idx="minor">
-            <a:schemeClr val="tx1"/>
-          </a:fontRef>
-        </p:style>
-      </p:cxnSp>
       <p:sp>
         <p:nvSpPr>
           <p:cNvPr id="10" name="타원 9">
@@ -5832,9 +5721,10 @@
               <a:t>테이블 상태 </a:t>
             </a:r>
             <a:r>
-              <a:rPr lang="en-US" altLang="ko-KR" sz="1000" dirty="0"/>
-              <a:t>update</a:t>
-            </a:r>
+              <a:rPr lang="en-US" altLang="ko-KR" sz="1000"/>
+              <a:t>update “010”</a:t>
+            </a:r>
+            <a:endParaRPr lang="en-US" altLang="ko-KR" sz="1000" dirty="0"/>
           </a:p>
           <a:p>
             <a:pPr algn="ctr"/>
@@ -5854,216 +5744,6 @@
           </a:p>
         </p:txBody>
       </p:sp>
-      <p:sp>
-        <p:nvSpPr>
-          <p:cNvPr id="5" name="직사각형 4">
-            <a:extLst>
-              <a:ext uri="{FF2B5EF4-FFF2-40B4-BE49-F238E27FC236}">
-                <a16:creationId xmlns:a16="http://schemas.microsoft.com/office/drawing/2014/main" id="{B01684BC-B100-42E1-A7EC-1137291370D9}"/>
-              </a:ext>
-            </a:extLst>
-          </p:cNvPr>
-          <p:cNvSpPr/>
-          <p:nvPr/>
-        </p:nvSpPr>
-        <p:spPr>
-          <a:xfrm>
-            <a:off x="4643303" y="4433174"/>
-            <a:ext cx="2936147" cy="1130417"/>
-          </a:xfrm>
-          <a:prstGeom prst="rect">
-            <a:avLst/>
-          </a:prstGeom>
-        </p:spPr>
-        <p:style>
-          <a:lnRef idx="2">
-            <a:schemeClr val="accent1">
-              <a:shade val="50000"/>
-            </a:schemeClr>
-          </a:lnRef>
-          <a:fillRef idx="1">
-            <a:schemeClr val="accent1"/>
-          </a:fillRef>
-          <a:effectRef idx="0">
-            <a:schemeClr val="accent1"/>
-          </a:effectRef>
-          <a:fontRef idx="minor">
-            <a:schemeClr val="lt1"/>
-          </a:fontRef>
-        </p:style>
-        <p:txBody>
-          <a:bodyPr rtlCol="0" anchor="ctr"/>
-          <a:lstStyle/>
-          <a:p>
-            <a:pPr algn="ctr"/>
-            <a:r>
-              <a:rPr lang="ko-KR" altLang="en-US" sz="800"/>
-              <a:t>배차</a:t>
-            </a:r>
-            <a:r>
-              <a:rPr lang="en-US" altLang="ko-KR" sz="800"/>
-              <a:t> </a:t>
-            </a:r>
-            <a:r>
-              <a:rPr lang="ko-KR" altLang="en-US" sz="800"/>
-              <a:t>테이블 상태 </a:t>
-            </a:r>
-            <a:r>
-              <a:rPr lang="en-US" altLang="ko-KR" sz="800"/>
-              <a:t>update</a:t>
-            </a:r>
-          </a:p>
-          <a:p>
-            <a:pPr algn="ctr"/>
-            <a:r>
-              <a:rPr lang="en-US" altLang="ko-KR" sz="800"/>
-              <a:t>(TRUCK_ALLOCATION)</a:t>
-            </a:r>
-            <a:endParaRPr lang="ko-KR" altLang="en-US" sz="800" dirty="0"/>
-          </a:p>
-        </p:txBody>
-      </p:sp>
-      <p:sp>
-        <p:nvSpPr>
-          <p:cNvPr id="3" name="순서도: 판단 2">
-            <a:extLst>
-              <a:ext uri="{FF2B5EF4-FFF2-40B4-BE49-F238E27FC236}">
-                <a16:creationId xmlns:a16="http://schemas.microsoft.com/office/drawing/2014/main" id="{CC87F883-4E9E-40ED-9BEC-1BF2061D05A7}"/>
-              </a:ext>
-            </a:extLst>
-          </p:cNvPr>
-          <p:cNvSpPr/>
-          <p:nvPr/>
-        </p:nvSpPr>
-        <p:spPr>
-          <a:xfrm>
-            <a:off x="4613945" y="2860646"/>
-            <a:ext cx="2994865" cy="822121"/>
-          </a:xfrm>
-          <a:prstGeom prst="flowChartDecision">
-            <a:avLst/>
-          </a:prstGeom>
-        </p:spPr>
-        <p:style>
-          <a:lnRef idx="2">
-            <a:schemeClr val="accent1">
-              <a:shade val="50000"/>
-            </a:schemeClr>
-          </a:lnRef>
-          <a:fillRef idx="1">
-            <a:schemeClr val="accent1"/>
-          </a:fillRef>
-          <a:effectRef idx="0">
-            <a:schemeClr val="accent1"/>
-          </a:effectRef>
-          <a:fontRef idx="minor">
-            <a:schemeClr val="lt1"/>
-          </a:fontRef>
-        </p:style>
-        <p:txBody>
-          <a:bodyPr rtlCol="0" anchor="ctr"/>
-          <a:lstStyle/>
-          <a:p>
-            <a:pPr algn="ctr"/>
-            <a:r>
-              <a:rPr lang="ko-KR" altLang="en-US" sz="1000" dirty="0"/>
-              <a:t>모든 배송 완료</a:t>
-            </a:r>
-            <a:r>
-              <a:rPr lang="en-US" altLang="ko-KR" sz="1000" dirty="0"/>
-              <a:t>?</a:t>
-            </a:r>
-            <a:endParaRPr lang="ko-KR" altLang="en-US" sz="1000" dirty="0"/>
-          </a:p>
-        </p:txBody>
-      </p:sp>
-      <p:cxnSp>
-        <p:nvCxnSpPr>
-          <p:cNvPr id="8" name="연결선: 꺾임 7">
-            <a:extLst>
-              <a:ext uri="{FF2B5EF4-FFF2-40B4-BE49-F238E27FC236}">
-                <a16:creationId xmlns:a16="http://schemas.microsoft.com/office/drawing/2014/main" id="{4FC9D4A4-A848-41CD-A250-264D10C34C2D}"/>
-              </a:ext>
-            </a:extLst>
-          </p:cNvPr>
-          <p:cNvCxnSpPr>
-            <a:cxnSpLocks/>
-            <a:stCxn id="3" idx="2"/>
-            <a:endCxn id="5" idx="0"/>
-          </p:cNvCxnSpPr>
-          <p:nvPr/>
-        </p:nvCxnSpPr>
-        <p:spPr>
-          <a:xfrm rot="5400000">
-            <a:off x="5736175" y="4057970"/>
-            <a:ext cx="750407" cy="1"/>
-          </a:xfrm>
-          <a:prstGeom prst="bentConnector3">
-            <a:avLst>
-              <a:gd name="adj1" fmla="val 50000"/>
-            </a:avLst>
-          </a:prstGeom>
-          <a:ln>
-            <a:tailEnd type="triangle"/>
-          </a:ln>
-        </p:spPr>
-        <p:style>
-          <a:lnRef idx="1">
-            <a:schemeClr val="accent1"/>
-          </a:lnRef>
-          <a:fillRef idx="0">
-            <a:schemeClr val="accent1"/>
-          </a:fillRef>
-          <a:effectRef idx="0">
-            <a:schemeClr val="accent1"/>
-          </a:effectRef>
-          <a:fontRef idx="minor">
-            <a:schemeClr val="tx1"/>
-          </a:fontRef>
-        </p:style>
-      </p:cxnSp>
-      <p:cxnSp>
-        <p:nvCxnSpPr>
-          <p:cNvPr id="10" name="연결선: 꺾임 9">
-            <a:extLst>
-              <a:ext uri="{FF2B5EF4-FFF2-40B4-BE49-F238E27FC236}">
-                <a16:creationId xmlns:a16="http://schemas.microsoft.com/office/drawing/2014/main" id="{7462A3DD-D67D-4EBC-ACE4-D1979B99BCB6}"/>
-              </a:ext>
-            </a:extLst>
-          </p:cNvPr>
-          <p:cNvCxnSpPr>
-            <a:stCxn id="4" idx="3"/>
-            <a:endCxn id="3" idx="0"/>
-          </p:cNvCxnSpPr>
-          <p:nvPr/>
-        </p:nvCxnSpPr>
-        <p:spPr>
-          <a:xfrm>
-            <a:off x="4092854" y="2632739"/>
-            <a:ext cx="2018524" cy="227907"/>
-          </a:xfrm>
-          <a:prstGeom prst="bentConnector2">
-            <a:avLst/>
-          </a:prstGeom>
-          <a:ln>
-            <a:tailEnd type="triangle"/>
-          </a:ln>
-        </p:spPr>
-        <p:style>
-          <a:lnRef idx="1">
-            <a:schemeClr val="accent1"/>
-          </a:lnRef>
-          <a:fillRef idx="0">
-            <a:schemeClr val="accent1"/>
-          </a:fillRef>
-          <a:effectRef idx="0">
-            <a:schemeClr val="accent1"/>
-          </a:effectRef>
-          <a:fontRef idx="minor">
-            <a:schemeClr val="tx1"/>
-          </a:fontRef>
-        </p:style>
-      </p:cxnSp>
       <p:sp>
         <p:nvSpPr>
           <p:cNvPr id="13" name="타원 12">
